--- a/99.ppt/템플릿.pptx
+++ b/99.ppt/템플릿.pptx
@@ -209,7 +209,7 @@
           <a:p>
             <a:fld id="{9B770909-2C76-4DF9-BB76-4EE283593418}" type="datetimeFigureOut">
               <a:rPr lang="ko-KR" altLang="en-US" smtClean="0"/>
-              <a:t>2023-07-12</a:t>
+              <a:t>2023-07-17</a:t>
             </a:fld>
             <a:endParaRPr lang="ko-KR" altLang="en-US"/>
           </a:p>
@@ -611,7 +611,7 @@
           <a:bodyPr anchor="ctr" anchorCtr="0"/>
           <a:lstStyle>
             <a:lvl1pPr algn="r">
-              <a:defRPr sz="2800">
+              <a:defRPr sz="2800" b="1">
                 <a:latin typeface="Spoqa Han Sans Neo Bold" panose="020B0800000000000000" pitchFamily="50" charset="-127"/>
                 <a:ea typeface="Spoqa Han Sans Neo Bold" panose="020B0800000000000000" pitchFamily="50" charset="-127"/>
               </a:defRPr>
@@ -750,7 +750,7 @@
           <a:bodyPr anchor="ctr" anchorCtr="0"/>
           <a:lstStyle>
             <a:lvl1pPr algn="r">
-              <a:defRPr sz="2800">
+              <a:defRPr sz="2800" b="1">
                 <a:latin typeface="Spoqa Han Sans Neo Bold" panose="020B0800000000000000" pitchFamily="50" charset="-127"/>
                 <a:ea typeface="Spoqa Han Sans Neo Bold" panose="020B0800000000000000" pitchFamily="50" charset="-127"/>
               </a:defRPr>
@@ -889,7 +889,7 @@
           <a:bodyPr anchor="ctr" anchorCtr="0"/>
           <a:lstStyle>
             <a:lvl1pPr algn="r">
-              <a:defRPr sz="2800">
+              <a:defRPr sz="2800" b="1">
                 <a:latin typeface="Spoqa Han Sans Neo Bold" panose="020B0800000000000000" pitchFamily="50" charset="-127"/>
                 <a:ea typeface="Spoqa Han Sans Neo Bold" panose="020B0800000000000000" pitchFamily="50" charset="-127"/>
               </a:defRPr>
@@ -1028,7 +1028,7 @@
           <a:bodyPr anchor="ctr" anchorCtr="0"/>
           <a:lstStyle>
             <a:lvl1pPr algn="r">
-              <a:defRPr sz="2800">
+              <a:defRPr sz="2800" b="1">
                 <a:latin typeface="Spoqa Han Sans Neo Bold" panose="020B0800000000000000" pitchFamily="50" charset="-127"/>
                 <a:ea typeface="Spoqa Han Sans Neo Bold" panose="020B0800000000000000" pitchFamily="50" charset="-127"/>
               </a:defRPr>
@@ -1167,7 +1167,7 @@
           <a:bodyPr anchor="ctr" anchorCtr="0"/>
           <a:lstStyle>
             <a:lvl1pPr algn="r">
-              <a:defRPr sz="2800">
+              <a:defRPr sz="2800" b="1">
                 <a:latin typeface="Spoqa Han Sans Neo Bold" panose="020B0800000000000000" pitchFamily="50" charset="-127"/>
                 <a:ea typeface="Spoqa Han Sans Neo Bold" panose="020B0800000000000000" pitchFamily="50" charset="-127"/>
               </a:defRPr>
@@ -1306,7 +1306,7 @@
           <a:bodyPr anchor="ctr" anchorCtr="0"/>
           <a:lstStyle>
             <a:lvl1pPr algn="r">
-              <a:defRPr sz="2800">
+              <a:defRPr sz="2800" b="1">
                 <a:solidFill>
                   <a:schemeClr val="bg1"/>
                 </a:solidFill>
